--- a/doc/Presentation.pptx
+++ b/doc/Presentation.pptx
@@ -5,7 +5,7 @@
     <p:sldMasterId id="2147483648" r:id="rId1"/>
   </p:sldMasterIdLst>
   <p:notesMasterIdLst>
-    <p:notesMasterId r:id="rId13"/>
+    <p:notesMasterId r:id="rId14"/>
   </p:notesMasterIdLst>
   <p:sldIdLst>
     <p:sldId id="266" r:id="rId2"/>
@@ -13,12 +13,13 @@
     <p:sldId id="264" r:id="rId4"/>
     <p:sldId id="258" r:id="rId5"/>
     <p:sldId id="256" r:id="rId6"/>
-    <p:sldId id="259" r:id="rId7"/>
-    <p:sldId id="260" r:id="rId8"/>
+    <p:sldId id="260" r:id="rId7"/>
+    <p:sldId id="259" r:id="rId8"/>
     <p:sldId id="262" r:id="rId9"/>
-    <p:sldId id="263" r:id="rId10"/>
-    <p:sldId id="257" r:id="rId11"/>
-    <p:sldId id="261" r:id="rId12"/>
+    <p:sldId id="257" r:id="rId10"/>
+    <p:sldId id="267" r:id="rId11"/>
+    <p:sldId id="263" r:id="rId12"/>
+    <p:sldId id="261" r:id="rId13"/>
   </p:sldIdLst>
   <p:sldSz cx="9144000" cy="6858000" type="screen4x3"/>
   <p:notesSz cx="6858000" cy="9144000"/>
@@ -202,7 +203,8 @@
           <a:p>
             <a:fld id="{924FB36B-40E2-404C-B933-2F5B1675420E}" type="datetimeFigureOut">
               <a:rPr lang="en-US" smtClean="0"/>
-              <a:t>4/24/2017</a:t>
+              <a:pPr/>
+              <a:t>4/25/2017</a:t>
             </a:fld>
             <a:endParaRPr lang="en-US"/>
           </a:p>
@@ -363,6 +365,7 @@
           <a:p>
             <a:fld id="{DA97A75F-77CB-4DBD-83EF-106007DB1147}" type="slidenum">
               <a:rPr lang="en-US" smtClean="0"/>
+              <a:pPr/>
               <a:t>‹#›</a:t>
             </a:fld>
             <a:endParaRPr lang="en-US"/>
@@ -648,7 +651,8 @@
           <a:p>
             <a:fld id="{331E5A63-0563-4DD1-8E1D-42A55DD4D765}" type="datetimeFigureOut">
               <a:rPr lang="en-US" smtClean="0"/>
-              <a:t>4/24/2017</a:t>
+              <a:pPr/>
+              <a:t>4/25/2017</a:t>
             </a:fld>
             <a:endParaRPr lang="en-US"/>
           </a:p>
@@ -690,6 +694,7 @@
           <a:p>
             <a:fld id="{98DC0D55-01ED-4E8E-9103-8784364851D3}" type="slidenum">
               <a:rPr lang="en-US" smtClean="0"/>
+              <a:pPr/>
               <a:t>‹#›</a:t>
             </a:fld>
             <a:endParaRPr lang="en-US"/>
@@ -813,7 +818,8 @@
           <a:p>
             <a:fld id="{331E5A63-0563-4DD1-8E1D-42A55DD4D765}" type="datetimeFigureOut">
               <a:rPr lang="en-US" smtClean="0"/>
-              <a:t>4/24/2017</a:t>
+              <a:pPr/>
+              <a:t>4/25/2017</a:t>
             </a:fld>
             <a:endParaRPr lang="en-US"/>
           </a:p>
@@ -855,6 +861,7 @@
           <a:p>
             <a:fld id="{98DC0D55-01ED-4E8E-9103-8784364851D3}" type="slidenum">
               <a:rPr lang="en-US" smtClean="0"/>
+              <a:pPr/>
               <a:t>‹#›</a:t>
             </a:fld>
             <a:endParaRPr lang="en-US"/>
@@ -988,7 +995,8 @@
           <a:p>
             <a:fld id="{331E5A63-0563-4DD1-8E1D-42A55DD4D765}" type="datetimeFigureOut">
               <a:rPr lang="en-US" smtClean="0"/>
-              <a:t>4/24/2017</a:t>
+              <a:pPr/>
+              <a:t>4/25/2017</a:t>
             </a:fld>
             <a:endParaRPr lang="en-US"/>
           </a:p>
@@ -1030,6 +1038,7 @@
           <a:p>
             <a:fld id="{98DC0D55-01ED-4E8E-9103-8784364851D3}" type="slidenum">
               <a:rPr lang="en-US" smtClean="0"/>
+              <a:pPr/>
               <a:t>‹#›</a:t>
             </a:fld>
             <a:endParaRPr lang="en-US"/>
@@ -1153,7 +1162,8 @@
           <a:p>
             <a:fld id="{331E5A63-0563-4DD1-8E1D-42A55DD4D765}" type="datetimeFigureOut">
               <a:rPr lang="en-US" smtClean="0"/>
-              <a:t>4/24/2017</a:t>
+              <a:pPr/>
+              <a:t>4/25/2017</a:t>
             </a:fld>
             <a:endParaRPr lang="en-US"/>
           </a:p>
@@ -1195,6 +1205,7 @@
           <a:p>
             <a:fld id="{98DC0D55-01ED-4E8E-9103-8784364851D3}" type="slidenum">
               <a:rPr lang="en-US" smtClean="0"/>
+              <a:pPr/>
               <a:t>‹#›</a:t>
             </a:fld>
             <a:endParaRPr lang="en-US"/>
@@ -1394,7 +1405,8 @@
           <a:p>
             <a:fld id="{331E5A63-0563-4DD1-8E1D-42A55DD4D765}" type="datetimeFigureOut">
               <a:rPr lang="en-US" smtClean="0"/>
-              <a:t>4/24/2017</a:t>
+              <a:pPr/>
+              <a:t>4/25/2017</a:t>
             </a:fld>
             <a:endParaRPr lang="en-US"/>
           </a:p>
@@ -1436,6 +1448,7 @@
           <a:p>
             <a:fld id="{98DC0D55-01ED-4E8E-9103-8784364851D3}" type="slidenum">
               <a:rPr lang="en-US" smtClean="0"/>
+              <a:pPr/>
               <a:t>‹#›</a:t>
             </a:fld>
             <a:endParaRPr lang="en-US"/>
@@ -1677,7 +1690,8 @@
           <a:p>
             <a:fld id="{331E5A63-0563-4DD1-8E1D-42A55DD4D765}" type="datetimeFigureOut">
               <a:rPr lang="en-US" smtClean="0"/>
-              <a:t>4/24/2017</a:t>
+              <a:pPr/>
+              <a:t>4/25/2017</a:t>
             </a:fld>
             <a:endParaRPr lang="en-US"/>
           </a:p>
@@ -1719,6 +1733,7 @@
           <a:p>
             <a:fld id="{98DC0D55-01ED-4E8E-9103-8784364851D3}" type="slidenum">
               <a:rPr lang="en-US" smtClean="0"/>
+              <a:pPr/>
               <a:t>‹#›</a:t>
             </a:fld>
             <a:endParaRPr lang="en-US"/>
@@ -2094,7 +2109,8 @@
           <a:p>
             <a:fld id="{331E5A63-0563-4DD1-8E1D-42A55DD4D765}" type="datetimeFigureOut">
               <a:rPr lang="en-US" smtClean="0"/>
-              <a:t>4/24/2017</a:t>
+              <a:pPr/>
+              <a:t>4/25/2017</a:t>
             </a:fld>
             <a:endParaRPr lang="en-US"/>
           </a:p>
@@ -2136,6 +2152,7 @@
           <a:p>
             <a:fld id="{98DC0D55-01ED-4E8E-9103-8784364851D3}" type="slidenum">
               <a:rPr lang="en-US" smtClean="0"/>
+              <a:pPr/>
               <a:t>‹#›</a:t>
             </a:fld>
             <a:endParaRPr lang="en-US"/>
@@ -2207,7 +2224,8 @@
           <a:p>
             <a:fld id="{331E5A63-0563-4DD1-8E1D-42A55DD4D765}" type="datetimeFigureOut">
               <a:rPr lang="en-US" smtClean="0"/>
-              <a:t>4/24/2017</a:t>
+              <a:pPr/>
+              <a:t>4/25/2017</a:t>
             </a:fld>
             <a:endParaRPr lang="en-US"/>
           </a:p>
@@ -2249,6 +2267,7 @@
           <a:p>
             <a:fld id="{98DC0D55-01ED-4E8E-9103-8784364851D3}" type="slidenum">
               <a:rPr lang="en-US" smtClean="0"/>
+              <a:pPr/>
               <a:t>‹#›</a:t>
             </a:fld>
             <a:endParaRPr lang="en-US"/>
@@ -2297,7 +2316,8 @@
           <a:p>
             <a:fld id="{331E5A63-0563-4DD1-8E1D-42A55DD4D765}" type="datetimeFigureOut">
               <a:rPr lang="en-US" smtClean="0"/>
-              <a:t>4/24/2017</a:t>
+              <a:pPr/>
+              <a:t>4/25/2017</a:t>
             </a:fld>
             <a:endParaRPr lang="en-US"/>
           </a:p>
@@ -2339,6 +2359,7 @@
           <a:p>
             <a:fld id="{98DC0D55-01ED-4E8E-9103-8784364851D3}" type="slidenum">
               <a:rPr lang="en-US" smtClean="0"/>
+              <a:pPr/>
               <a:t>‹#›</a:t>
             </a:fld>
             <a:endParaRPr lang="en-US"/>
@@ -2569,7 +2590,8 @@
           <a:p>
             <a:fld id="{331E5A63-0563-4DD1-8E1D-42A55DD4D765}" type="datetimeFigureOut">
               <a:rPr lang="en-US" smtClean="0"/>
-              <a:t>4/24/2017</a:t>
+              <a:pPr/>
+              <a:t>4/25/2017</a:t>
             </a:fld>
             <a:endParaRPr lang="en-US"/>
           </a:p>
@@ -2611,6 +2633,7 @@
           <a:p>
             <a:fld id="{98DC0D55-01ED-4E8E-9103-8784364851D3}" type="slidenum">
               <a:rPr lang="en-US" smtClean="0"/>
+              <a:pPr/>
               <a:t>‹#›</a:t>
             </a:fld>
             <a:endParaRPr lang="en-US"/>
@@ -2817,7 +2840,8 @@
           <a:p>
             <a:fld id="{331E5A63-0563-4DD1-8E1D-42A55DD4D765}" type="datetimeFigureOut">
               <a:rPr lang="en-US" smtClean="0"/>
-              <a:t>4/24/2017</a:t>
+              <a:pPr/>
+              <a:t>4/25/2017</a:t>
             </a:fld>
             <a:endParaRPr lang="en-US"/>
           </a:p>
@@ -2859,6 +2883,7 @@
           <a:p>
             <a:fld id="{98DC0D55-01ED-4E8E-9103-8784364851D3}" type="slidenum">
               <a:rPr lang="en-US" smtClean="0"/>
+              <a:pPr/>
               <a:t>‹#›</a:t>
             </a:fld>
             <a:endParaRPr lang="en-US"/>
@@ -3025,7 +3050,8 @@
           <a:p>
             <a:fld id="{331E5A63-0563-4DD1-8E1D-42A55DD4D765}" type="datetimeFigureOut">
               <a:rPr lang="en-US" smtClean="0"/>
-              <a:t>4/24/2017</a:t>
+              <a:pPr/>
+              <a:t>4/25/2017</a:t>
             </a:fld>
             <a:endParaRPr lang="en-US"/>
           </a:p>
@@ -3103,6 +3129,7 @@
           <a:p>
             <a:fld id="{98DC0D55-01ED-4E8E-9103-8784364851D3}" type="slidenum">
               <a:rPr lang="en-US" smtClean="0"/>
+              <a:pPr/>
               <a:t>‹#›</a:t>
             </a:fld>
             <a:endParaRPr lang="en-US"/>
@@ -3495,41 +3522,9 @@
           <a:chExt cx="0" cy="0"/>
         </a:xfrm>
       </p:grpSpPr>
-      <p:pic>
-        <p:nvPicPr>
-          <p:cNvPr id="1026" name="Picture 2"/>
-          <p:cNvPicPr>
-            <a:picLocks noChangeAspect="1" noChangeArrowheads="1"/>
-          </p:cNvPicPr>
-          <p:nvPr/>
-        </p:nvPicPr>
-        <p:blipFill>
-          <a:blip r:embed="rId2" cstate="print"/>
-          <a:srcRect/>
-          <a:stretch>
-            <a:fillRect/>
-          </a:stretch>
-        </p:blipFill>
-        <p:spPr bwMode="auto">
-          <a:xfrm>
-            <a:off x="2003251" y="1772816"/>
-            <a:ext cx="5953125" cy="4438650"/>
-          </a:xfrm>
-          <a:prstGeom prst="rect">
-            <a:avLst/>
-          </a:prstGeom>
-          <a:noFill/>
-          <a:ln w="9525">
-            <a:noFill/>
-            <a:miter lim="800000"/>
-            <a:headEnd/>
-            <a:tailEnd/>
-          </a:ln>
-        </p:spPr>
-      </p:pic>
-      <p:sp>
-        <p:nvSpPr>
-          <p:cNvPr id="5" name="Title 1"/>
+      <p:sp>
+        <p:nvSpPr>
+          <p:cNvPr id="2" name="Title 1"/>
           <p:cNvSpPr>
             <a:spLocks noGrp="1"/>
           </p:cNvSpPr>
@@ -3537,24 +3532,38 @@
             <p:ph type="title"/>
           </p:nvPr>
         </p:nvSpPr>
-        <p:spPr>
-          <a:xfrm>
-            <a:off x="457200" y="274638"/>
-            <a:ext cx="8229600" cy="1143000"/>
-          </a:xfrm>
-        </p:spPr>
+        <p:spPr/>
         <p:txBody>
           <a:bodyPr/>
           <a:lstStyle/>
           <a:p>
             <a:r>
               <a:rPr lang="en-US" dirty="0" err="1" smtClean="0"/>
-              <a:t>MongoDB</a:t>
+              <a:t>NodeJS</a:t>
             </a:r>
             <a:r>
               <a:rPr lang="en-US" dirty="0" smtClean="0"/>
-              <a:t>(Shard)</a:t>
-            </a:r>
+              <a:t>/Sails</a:t>
+            </a:r>
+            <a:endParaRPr lang="en-US" dirty="0"/>
+          </a:p>
+        </p:txBody>
+      </p:sp>
+      <p:sp>
+        <p:nvSpPr>
+          <p:cNvPr id="3" name="Content Placeholder 2"/>
+          <p:cNvSpPr>
+            <a:spLocks noGrp="1"/>
+          </p:cNvSpPr>
+          <p:nvPr>
+            <p:ph idx="1"/>
+          </p:nvPr>
+        </p:nvSpPr>
+        <p:spPr/>
+        <p:txBody>
+          <a:bodyPr/>
+          <a:lstStyle/>
+          <a:p>
             <a:endParaRPr lang="en-US" dirty="0"/>
           </a:p>
         </p:txBody>
@@ -3591,6 +3600,105 @@
           <a:chExt cx="0" cy="0"/>
         </a:xfrm>
       </p:grpSpPr>
+      <p:pic>
+        <p:nvPicPr>
+          <p:cNvPr id="6146" name="Picture 2"/>
+          <p:cNvPicPr>
+            <a:picLocks noChangeAspect="1" noChangeArrowheads="1"/>
+          </p:cNvPicPr>
+          <p:nvPr/>
+        </p:nvPicPr>
+        <p:blipFill>
+          <a:blip r:embed="rId2" cstate="print"/>
+          <a:srcRect/>
+          <a:stretch>
+            <a:fillRect/>
+          </a:stretch>
+        </p:blipFill>
+        <p:spPr bwMode="auto">
+          <a:xfrm>
+            <a:off x="71125" y="1052736"/>
+            <a:ext cx="8965371" cy="5688632"/>
+          </a:xfrm>
+          <a:prstGeom prst="rect">
+            <a:avLst/>
+          </a:prstGeom>
+          <a:noFill/>
+          <a:ln w="9525">
+            <a:noFill/>
+            <a:miter lim="800000"/>
+            <a:headEnd/>
+            <a:tailEnd/>
+          </a:ln>
+        </p:spPr>
+      </p:pic>
+      <p:sp>
+        <p:nvSpPr>
+          <p:cNvPr id="5" name="TextBox 4"/>
+          <p:cNvSpPr txBox="1"/>
+          <p:nvPr/>
+        </p:nvSpPr>
+        <p:spPr>
+          <a:xfrm>
+            <a:off x="0" y="262389"/>
+            <a:ext cx="9144000" cy="646331"/>
+          </a:xfrm>
+          <a:prstGeom prst="rect">
+            <a:avLst/>
+          </a:prstGeom>
+          <a:noFill/>
+        </p:spPr>
+        <p:txBody>
+          <a:bodyPr wrap="square" rtlCol="0">
+            <a:spAutoFit/>
+          </a:bodyPr>
+          <a:lstStyle/>
+          <a:p>
+            <a:pPr algn="ctr"/>
+            <a:r>
+              <a:rPr lang="en-US" sz="3600" dirty="0" err="1" smtClean="0"/>
+              <a:t>Git</a:t>
+            </a:r>
+            <a:r>
+              <a:rPr lang="en-US" sz="3600" dirty="0" smtClean="0"/>
+              <a:t> Source Control</a:t>
+            </a:r>
+            <a:endParaRPr lang="en-US" sz="3600" dirty="0"/>
+          </a:p>
+        </p:txBody>
+      </p:sp>
+    </p:spTree>
+  </p:cSld>
+  <p:clrMapOvr>
+    <a:masterClrMapping/>
+  </p:clrMapOvr>
+  <p:timing>
+    <p:tnLst>
+      <p:par>
+        <p:cTn id="1" dur="indefinite" restart="never" nodeType="tmRoot"/>
+      </p:par>
+    </p:tnLst>
+  </p:timing>
+</p:sld>
+</file>
+
+<file path=ppt/slides/slide12.xml><?xml version="1.0" encoding="utf-8"?>
+<p:sld xmlns:a="http://schemas.openxmlformats.org/drawingml/2006/main" xmlns:r="http://schemas.openxmlformats.org/officeDocument/2006/relationships" xmlns:p="http://schemas.openxmlformats.org/presentationml/2006/main">
+  <p:cSld>
+    <p:spTree>
+      <p:nvGrpSpPr>
+        <p:cNvPr id="1" name=""/>
+        <p:cNvGrpSpPr/>
+        <p:nvPr/>
+      </p:nvGrpSpPr>
+      <p:grpSpPr>
+        <a:xfrm>
+          <a:off x="0" y="0"/>
+          <a:ext cx="0" cy="0"/>
+          <a:chOff x="0" y="0"/>
+          <a:chExt cx="0" cy="0"/>
+        </a:xfrm>
+      </p:grpSpPr>
       <p:sp>
         <p:nvSpPr>
           <p:cNvPr id="2" name="Title 1"/>
@@ -3961,6 +4069,90 @@
       </p:grpSpPr>
       <p:sp>
         <p:nvSpPr>
+          <p:cNvPr id="25" name="Oval 24"/>
+          <p:cNvSpPr/>
+          <p:nvPr/>
+        </p:nvSpPr>
+        <p:spPr>
+          <a:xfrm>
+            <a:off x="3203848" y="4149080"/>
+            <a:ext cx="3240360" cy="2520280"/>
+          </a:xfrm>
+          <a:prstGeom prst="ellipse">
+            <a:avLst/>
+          </a:prstGeom>
+        </p:spPr>
+        <p:style>
+          <a:lnRef idx="3">
+            <a:schemeClr val="lt1"/>
+          </a:lnRef>
+          <a:fillRef idx="1">
+            <a:schemeClr val="accent6"/>
+          </a:fillRef>
+          <a:effectRef idx="1">
+            <a:schemeClr val="accent6"/>
+          </a:effectRef>
+          <a:fontRef idx="minor">
+            <a:schemeClr val="lt1"/>
+          </a:fontRef>
+        </p:style>
+        <p:txBody>
+          <a:bodyPr rtlCol="0" anchor="t" anchorCtr="0"/>
+          <a:lstStyle/>
+          <a:p>
+            <a:pPr algn="ctr"/>
+            <a:r>
+              <a:rPr lang="en-US" dirty="0" smtClean="0"/>
+              <a:t>HTTP Service</a:t>
+            </a:r>
+            <a:endParaRPr lang="en-US" dirty="0"/>
+          </a:p>
+        </p:txBody>
+      </p:sp>
+      <p:sp>
+        <p:nvSpPr>
+          <p:cNvPr id="19" name="Oval 18"/>
+          <p:cNvSpPr/>
+          <p:nvPr/>
+        </p:nvSpPr>
+        <p:spPr>
+          <a:xfrm>
+            <a:off x="3419872" y="4797152"/>
+            <a:ext cx="2808312" cy="1728192"/>
+          </a:xfrm>
+          <a:prstGeom prst="ellipse">
+            <a:avLst/>
+          </a:prstGeom>
+        </p:spPr>
+        <p:style>
+          <a:lnRef idx="3">
+            <a:schemeClr val="lt1"/>
+          </a:lnRef>
+          <a:fillRef idx="1">
+            <a:schemeClr val="accent6"/>
+          </a:fillRef>
+          <a:effectRef idx="1">
+            <a:schemeClr val="accent6"/>
+          </a:effectRef>
+          <a:fontRef idx="minor">
+            <a:schemeClr val="lt1"/>
+          </a:fontRef>
+        </p:style>
+        <p:txBody>
+          <a:bodyPr rtlCol="0" anchor="t" anchorCtr="0"/>
+          <a:lstStyle/>
+          <a:p>
+            <a:pPr algn="ctr"/>
+            <a:r>
+              <a:rPr lang="en-US" dirty="0" smtClean="0"/>
+              <a:t>Sails</a:t>
+            </a:r>
+            <a:endParaRPr lang="en-US" dirty="0"/>
+          </a:p>
+        </p:txBody>
+      </p:sp>
+      <p:sp>
+        <p:nvSpPr>
           <p:cNvPr id="6" name="Flowchart: Magnetic Disk 5"/>
           <p:cNvSpPr/>
           <p:nvPr/>
@@ -4031,6 +4223,14 @@
           <a:prstGeom prst="rightArrow">
             <a:avLst/>
           </a:prstGeom>
+          <a:ln>
+            <a:solidFill>
+              <a:schemeClr val="tx2">
+                <a:lumMod val="60000"/>
+                <a:lumOff val="40000"/>
+              </a:schemeClr>
+            </a:solidFill>
+          </a:ln>
         </p:spPr>
         <p:style>
           <a:lnRef idx="2">
@@ -4075,6 +4275,14 @@
           <a:prstGeom prst="leftArrow">
             <a:avLst/>
           </a:prstGeom>
+          <a:ln>
+            <a:solidFill>
+              <a:schemeClr val="tx2">
+                <a:lumMod val="60000"/>
+                <a:lumOff val="40000"/>
+              </a:schemeClr>
+            </a:solidFill>
+          </a:ln>
         </p:spPr>
         <p:style>
           <a:lnRef idx="2">
@@ -4128,6 +4336,14 @@
               <a:gd name="adj4" fmla="val 43750"/>
             </a:avLst>
           </a:prstGeom>
+          <a:ln>
+            <a:solidFill>
+              <a:schemeClr val="tx2">
+                <a:lumMod val="60000"/>
+                <a:lumOff val="40000"/>
+              </a:schemeClr>
+            </a:solidFill>
+          </a:ln>
         </p:spPr>
         <p:style>
           <a:lnRef idx="2">
@@ -4328,14 +4544,14 @@
       </p:sp>
       <p:sp>
         <p:nvSpPr>
-          <p:cNvPr id="25" name="Oval 24"/>
+          <p:cNvPr id="26" name="Oval 25"/>
           <p:cNvSpPr/>
           <p:nvPr/>
         </p:nvSpPr>
         <p:spPr>
           <a:xfrm>
-            <a:off x="3419872" y="4509120"/>
-            <a:ext cx="2808312" cy="1872208"/>
+            <a:off x="3707904" y="5733256"/>
+            <a:ext cx="2232248" cy="648072"/>
           </a:xfrm>
           <a:prstGeom prst="ellipse">
             <a:avLst/>
@@ -4357,48 +4573,6 @@
         </p:style>
         <p:txBody>
           <a:bodyPr rtlCol="0" anchor="t" anchorCtr="0"/>
-          <a:lstStyle/>
-          <a:p>
-            <a:pPr algn="ctr"/>
-            <a:r>
-              <a:rPr lang="en-US" dirty="0" smtClean="0"/>
-              <a:t>HTTP Service</a:t>
-            </a:r>
-            <a:endParaRPr lang="en-US" dirty="0"/>
-          </a:p>
-        </p:txBody>
-      </p:sp>
-      <p:sp>
-        <p:nvSpPr>
-          <p:cNvPr id="26" name="Oval 25"/>
-          <p:cNvSpPr/>
-          <p:nvPr/>
-        </p:nvSpPr>
-        <p:spPr>
-          <a:xfrm>
-            <a:off x="3923928" y="5373216"/>
-            <a:ext cx="1800200" cy="864096"/>
-          </a:xfrm>
-          <a:prstGeom prst="ellipse">
-            <a:avLst/>
-          </a:prstGeom>
-        </p:spPr>
-        <p:style>
-          <a:lnRef idx="3">
-            <a:schemeClr val="lt1"/>
-          </a:lnRef>
-          <a:fillRef idx="1">
-            <a:schemeClr val="accent6"/>
-          </a:fillRef>
-          <a:effectRef idx="1">
-            <a:schemeClr val="accent6"/>
-          </a:effectRef>
-          <a:fontRef idx="minor">
-            <a:schemeClr val="lt1"/>
-          </a:fontRef>
-        </p:style>
-        <p:txBody>
-          <a:bodyPr rtlCol="0" anchor="ctr"/>
           <a:lstStyle/>
           <a:p>
             <a:pPr algn="ctr"/>
@@ -4523,7 +4697,7 @@
         </p:blipFill>
         <p:spPr bwMode="auto">
           <a:xfrm>
-            <a:off x="683568" y="2204864"/>
+            <a:off x="611560" y="2204864"/>
             <a:ext cx="736476" cy="703335"/>
           </a:xfrm>
           <a:prstGeom prst="rect">
@@ -4617,6 +4791,14 @@
               <a:gd name="adj4" fmla="val 42454"/>
             </a:avLst>
           </a:prstGeom>
+          <a:ln>
+            <a:solidFill>
+              <a:schemeClr val="tx2">
+                <a:lumMod val="60000"/>
+                <a:lumOff val="40000"/>
+              </a:schemeClr>
+            </a:solidFill>
+          </a:ln>
           <a:scene3d>
             <a:camera prst="orthographicFront">
               <a:rot lat="21299999" lon="0" rev="5400000"/>
@@ -4650,6 +4832,176 @@
                 <a:schemeClr val="tx1"/>
               </a:solidFill>
             </a:endParaRPr>
+          </a:p>
+        </p:txBody>
+      </p:sp>
+      <p:sp>
+        <p:nvSpPr>
+          <p:cNvPr id="27" name="Oval 26"/>
+          <p:cNvSpPr/>
+          <p:nvPr/>
+        </p:nvSpPr>
+        <p:spPr>
+          <a:xfrm>
+            <a:off x="5004048" y="5157192"/>
+            <a:ext cx="1080120" cy="576064"/>
+          </a:xfrm>
+          <a:prstGeom prst="ellipse">
+            <a:avLst/>
+          </a:prstGeom>
+        </p:spPr>
+        <p:style>
+          <a:lnRef idx="3">
+            <a:schemeClr val="lt1"/>
+          </a:lnRef>
+          <a:fillRef idx="1">
+            <a:schemeClr val="accent6"/>
+          </a:fillRef>
+          <a:effectRef idx="1">
+            <a:schemeClr val="accent6"/>
+          </a:effectRef>
+          <a:fontRef idx="minor">
+            <a:schemeClr val="lt1"/>
+          </a:fontRef>
+        </p:style>
+        <p:txBody>
+          <a:bodyPr rtlCol="0" anchor="ctr" anchorCtr="0"/>
+          <a:lstStyle/>
+          <a:p>
+            <a:pPr algn="ctr"/>
+            <a:r>
+              <a:rPr lang="en-US" dirty="0" smtClean="0"/>
+              <a:t>Water Line</a:t>
+            </a:r>
+            <a:endParaRPr lang="en-US" dirty="0"/>
+          </a:p>
+        </p:txBody>
+      </p:sp>
+      <p:sp>
+        <p:nvSpPr>
+          <p:cNvPr id="28" name="TextBox 27"/>
+          <p:cNvSpPr txBox="1"/>
+          <p:nvPr/>
+        </p:nvSpPr>
+        <p:spPr>
+          <a:xfrm>
+            <a:off x="1907704" y="1052736"/>
+            <a:ext cx="2046586" cy="369332"/>
+          </a:xfrm>
+          <a:prstGeom prst="rect">
+            <a:avLst/>
+          </a:prstGeom>
+        </p:spPr>
+        <p:style>
+          <a:lnRef idx="3">
+            <a:schemeClr val="lt1"/>
+          </a:lnRef>
+          <a:fillRef idx="1">
+            <a:schemeClr val="accent2"/>
+          </a:fillRef>
+          <a:effectRef idx="1">
+            <a:schemeClr val="accent2"/>
+          </a:effectRef>
+          <a:fontRef idx="minor">
+            <a:schemeClr val="lt1"/>
+          </a:fontRef>
+        </p:style>
+        <p:txBody>
+          <a:bodyPr wrap="none" rtlCol="0">
+            <a:spAutoFit/>
+          </a:bodyPr>
+          <a:lstStyle/>
+          <a:p>
+            <a:r>
+              <a:rPr lang="en-US" dirty="0" smtClean="0"/>
+              <a:t>Log Transfer Service</a:t>
+            </a:r>
+            <a:endParaRPr lang="en-US" dirty="0"/>
+          </a:p>
+        </p:txBody>
+      </p:sp>
+      <p:sp>
+        <p:nvSpPr>
+          <p:cNvPr id="29" name="TextBox 28"/>
+          <p:cNvSpPr txBox="1"/>
+          <p:nvPr/>
+        </p:nvSpPr>
+        <p:spPr>
+          <a:xfrm>
+            <a:off x="2051720" y="6237312"/>
+            <a:ext cx="2083199" cy="369332"/>
+          </a:xfrm>
+          <a:prstGeom prst="rect">
+            <a:avLst/>
+          </a:prstGeom>
+        </p:spPr>
+        <p:style>
+          <a:lnRef idx="3">
+            <a:schemeClr val="lt1"/>
+          </a:lnRef>
+          <a:fillRef idx="1">
+            <a:schemeClr val="accent2"/>
+          </a:fillRef>
+          <a:effectRef idx="1">
+            <a:schemeClr val="accent2"/>
+          </a:effectRef>
+          <a:fontRef idx="minor">
+            <a:schemeClr val="lt1"/>
+          </a:fontRef>
+        </p:style>
+        <p:txBody>
+          <a:bodyPr wrap="none" rtlCol="0">
+            <a:spAutoFit/>
+          </a:bodyPr>
+          <a:lstStyle/>
+          <a:p>
+            <a:r>
+              <a:rPr lang="en-US" dirty="0" smtClean="0"/>
+              <a:t>Log Provider Service</a:t>
+            </a:r>
+            <a:endParaRPr lang="en-US" dirty="0"/>
+          </a:p>
+        </p:txBody>
+      </p:sp>
+      <p:sp>
+        <p:nvSpPr>
+          <p:cNvPr id="30" name="TextBox 29"/>
+          <p:cNvSpPr txBox="1"/>
+          <p:nvPr/>
+        </p:nvSpPr>
+        <p:spPr>
+          <a:xfrm>
+            <a:off x="5940152" y="3789040"/>
+            <a:ext cx="1277016" cy="369332"/>
+          </a:xfrm>
+          <a:prstGeom prst="rect">
+            <a:avLst/>
+          </a:prstGeom>
+        </p:spPr>
+        <p:style>
+          <a:lnRef idx="3">
+            <a:schemeClr val="lt1"/>
+          </a:lnRef>
+          <a:fillRef idx="1">
+            <a:schemeClr val="accent2"/>
+          </a:fillRef>
+          <a:effectRef idx="1">
+            <a:schemeClr val="accent2"/>
+          </a:effectRef>
+          <a:fontRef idx="minor">
+            <a:schemeClr val="lt1"/>
+          </a:fontRef>
+        </p:style>
+        <p:txBody>
+          <a:bodyPr wrap="none" rtlCol="0">
+            <a:spAutoFit/>
+          </a:bodyPr>
+          <a:lstStyle/>
+          <a:p>
+            <a:r>
+              <a:rPr lang="en-US" dirty="0" smtClean="0"/>
+              <a:t>Log Storage</a:t>
+            </a:r>
           </a:p>
         </p:txBody>
       </p:sp>
@@ -4731,7 +5083,7 @@
         </p:nvSpPr>
         <p:spPr>
           <a:xfrm>
-            <a:off x="2627784" y="3068960"/>
+            <a:off x="2627784" y="2852936"/>
             <a:ext cx="1080120" cy="288032"/>
           </a:xfrm>
           <a:prstGeom prst="roundRect">
@@ -4781,7 +5133,7 @@
         </p:nvSpPr>
         <p:spPr>
           <a:xfrm>
-            <a:off x="2627784" y="3429000"/>
+            <a:off x="2627784" y="3356992"/>
             <a:ext cx="1080120" cy="288032"/>
           </a:xfrm>
           <a:prstGeom prst="roundRect">
@@ -4831,7 +5183,7 @@
         </p:nvSpPr>
         <p:spPr>
           <a:xfrm>
-            <a:off x="2627784" y="3789040"/>
+            <a:off x="2627784" y="3861048"/>
             <a:ext cx="1080120" cy="288032"/>
           </a:xfrm>
           <a:prstGeom prst="roundRect">
@@ -4881,7 +5233,7 @@
         </p:nvSpPr>
         <p:spPr>
           <a:xfrm>
-            <a:off x="2627784" y="4149080"/>
+            <a:off x="2627784" y="4365104"/>
             <a:ext cx="1080120" cy="288032"/>
           </a:xfrm>
           <a:prstGeom prst="roundRect">
@@ -4931,7 +5283,7 @@
         </p:nvSpPr>
         <p:spPr>
           <a:xfrm>
-            <a:off x="2627784" y="4509120"/>
+            <a:off x="2627784" y="4869160"/>
             <a:ext cx="1080120" cy="288032"/>
           </a:xfrm>
           <a:prstGeom prst="roundRect">
@@ -5044,10 +5396,19 @@
             <a:avLst/>
           </a:prstGeom>
           <a:solidFill>
-            <a:schemeClr val="accent1">
-              <a:lumMod val="75000"/>
+            <a:schemeClr val="tx2">
+              <a:lumMod val="60000"/>
+              <a:lumOff val="40000"/>
             </a:schemeClr>
           </a:solidFill>
+          <a:ln>
+            <a:solidFill>
+              <a:schemeClr val="tx2">
+                <a:lumMod val="60000"/>
+                <a:lumOff val="40000"/>
+              </a:schemeClr>
+            </a:solidFill>
+          </a:ln>
         </p:spPr>
         <p:style>
           <a:lnRef idx="2">
@@ -5087,20 +5448,22 @@
         <p:spPr>
           <a:xfrm>
             <a:off x="5220072" y="3717032"/>
-            <a:ext cx="1296144" cy="432048"/>
+            <a:ext cx="1296144" cy="504056"/>
           </a:xfrm>
           <a:prstGeom prst="stripedRightArrow">
             <a:avLst/>
           </a:prstGeom>
           <a:solidFill>
-            <a:schemeClr val="accent1">
-              <a:lumMod val="75000"/>
+            <a:schemeClr val="tx2">
+              <a:lumMod val="60000"/>
+              <a:lumOff val="40000"/>
             </a:schemeClr>
           </a:solidFill>
           <a:ln>
             <a:solidFill>
-              <a:schemeClr val="accent1">
-                <a:lumMod val="75000"/>
+              <a:schemeClr val="tx2">
+                <a:lumMod val="60000"/>
+                <a:lumOff val="40000"/>
               </a:schemeClr>
             </a:solidFill>
           </a:ln>
@@ -5383,10 +5746,19 @@
             <a:avLst/>
           </a:prstGeom>
           <a:solidFill>
-            <a:schemeClr val="accent1">
-              <a:lumMod val="75000"/>
+            <a:schemeClr val="tx2">
+              <a:lumMod val="60000"/>
+              <a:lumOff val="40000"/>
             </a:schemeClr>
           </a:solidFill>
+          <a:ln>
+            <a:solidFill>
+              <a:schemeClr val="tx2">
+                <a:lumMod val="60000"/>
+                <a:lumOff val="40000"/>
+              </a:schemeClr>
+            </a:solidFill>
+          </a:ln>
         </p:spPr>
         <p:style>
           <a:lnRef idx="2">
@@ -5417,6 +5789,228 @@
           </a:p>
         </p:txBody>
       </p:sp>
+      <p:sp>
+        <p:nvSpPr>
+          <p:cNvPr id="18" name="TextBox 17"/>
+          <p:cNvSpPr txBox="1"/>
+          <p:nvPr/>
+        </p:nvSpPr>
+        <p:spPr>
+          <a:xfrm>
+            <a:off x="7092280" y="3429000"/>
+            <a:ext cx="1849865" cy="369332"/>
+          </a:xfrm>
+          <a:prstGeom prst="rect">
+            <a:avLst/>
+          </a:prstGeom>
+        </p:spPr>
+        <p:style>
+          <a:lnRef idx="3">
+            <a:schemeClr val="lt1"/>
+          </a:lnRef>
+          <a:fillRef idx="1">
+            <a:schemeClr val="accent2"/>
+          </a:fillRef>
+          <a:effectRef idx="1">
+            <a:schemeClr val="accent2"/>
+          </a:effectRef>
+          <a:fontRef idx="minor">
+            <a:schemeClr val="lt1"/>
+          </a:fontRef>
+        </p:style>
+        <p:txBody>
+          <a:bodyPr wrap="none" rtlCol="0">
+            <a:spAutoFit/>
+          </a:bodyPr>
+          <a:lstStyle/>
+          <a:p>
+            <a:r>
+              <a:rPr lang="en-US" dirty="0" smtClean="0"/>
+              <a:t>Import procedure</a:t>
+            </a:r>
+            <a:endParaRPr lang="en-US" dirty="0"/>
+          </a:p>
+        </p:txBody>
+      </p:sp>
+      <p:cxnSp>
+        <p:nvCxnSpPr>
+          <p:cNvPr id="21" name="Straight Arrow Connector 20"/>
+          <p:cNvCxnSpPr>
+            <a:stCxn id="10" idx="0"/>
+            <a:endCxn id="9" idx="2"/>
+          </p:cNvCxnSpPr>
+          <p:nvPr/>
+        </p:nvCxnSpPr>
+        <p:spPr>
+          <a:xfrm flipV="1">
+            <a:off x="3167844" y="4653136"/>
+            <a:ext cx="0" cy="216024"/>
+          </a:xfrm>
+          <a:prstGeom prst="straightConnector1">
+            <a:avLst/>
+          </a:prstGeom>
+          <a:ln>
+            <a:tailEnd type="arrow"/>
+          </a:ln>
+        </p:spPr>
+        <p:style>
+          <a:lnRef idx="1">
+            <a:schemeClr val="accent1"/>
+          </a:lnRef>
+          <a:fillRef idx="0">
+            <a:schemeClr val="accent1"/>
+          </a:fillRef>
+          <a:effectRef idx="0">
+            <a:schemeClr val="accent1"/>
+          </a:effectRef>
+          <a:fontRef idx="minor">
+            <a:schemeClr val="tx1"/>
+          </a:fontRef>
+        </p:style>
+      </p:cxnSp>
+      <p:cxnSp>
+        <p:nvCxnSpPr>
+          <p:cNvPr id="28" name="Straight Arrow Connector 27"/>
+          <p:cNvCxnSpPr>
+            <a:stCxn id="9" idx="0"/>
+            <a:endCxn id="8" idx="2"/>
+          </p:cNvCxnSpPr>
+          <p:nvPr/>
+        </p:nvCxnSpPr>
+        <p:spPr>
+          <a:xfrm flipV="1">
+            <a:off x="3167844" y="4149080"/>
+            <a:ext cx="0" cy="216024"/>
+          </a:xfrm>
+          <a:prstGeom prst="straightConnector1">
+            <a:avLst/>
+          </a:prstGeom>
+          <a:ln>
+            <a:tailEnd type="arrow"/>
+          </a:ln>
+        </p:spPr>
+        <p:style>
+          <a:lnRef idx="1">
+            <a:schemeClr val="accent1"/>
+          </a:lnRef>
+          <a:fillRef idx="0">
+            <a:schemeClr val="accent1"/>
+          </a:fillRef>
+          <a:effectRef idx="0">
+            <a:schemeClr val="accent1"/>
+          </a:effectRef>
+          <a:fontRef idx="minor">
+            <a:schemeClr val="tx1"/>
+          </a:fontRef>
+        </p:style>
+      </p:cxnSp>
+      <p:cxnSp>
+        <p:nvCxnSpPr>
+          <p:cNvPr id="30" name="Straight Arrow Connector 29"/>
+          <p:cNvCxnSpPr>
+            <a:stCxn id="8" idx="0"/>
+            <a:endCxn id="7" idx="2"/>
+          </p:cNvCxnSpPr>
+          <p:nvPr/>
+        </p:nvCxnSpPr>
+        <p:spPr>
+          <a:xfrm flipV="1">
+            <a:off x="3167844" y="3645024"/>
+            <a:ext cx="0" cy="216024"/>
+          </a:xfrm>
+          <a:prstGeom prst="straightConnector1">
+            <a:avLst/>
+          </a:prstGeom>
+          <a:ln>
+            <a:tailEnd type="arrow"/>
+          </a:ln>
+        </p:spPr>
+        <p:style>
+          <a:lnRef idx="1">
+            <a:schemeClr val="accent1"/>
+          </a:lnRef>
+          <a:fillRef idx="0">
+            <a:schemeClr val="accent1"/>
+          </a:fillRef>
+          <a:effectRef idx="0">
+            <a:schemeClr val="accent1"/>
+          </a:effectRef>
+          <a:fontRef idx="minor">
+            <a:schemeClr val="tx1"/>
+          </a:fontRef>
+        </p:style>
+      </p:cxnSp>
+      <p:cxnSp>
+        <p:nvCxnSpPr>
+          <p:cNvPr id="32" name="Straight Arrow Connector 31"/>
+          <p:cNvCxnSpPr>
+            <a:stCxn id="7" idx="0"/>
+            <a:endCxn id="6" idx="2"/>
+          </p:cNvCxnSpPr>
+          <p:nvPr/>
+        </p:nvCxnSpPr>
+        <p:spPr>
+          <a:xfrm flipV="1">
+            <a:off x="3167844" y="3140968"/>
+            <a:ext cx="0" cy="216024"/>
+          </a:xfrm>
+          <a:prstGeom prst="straightConnector1">
+            <a:avLst/>
+          </a:prstGeom>
+          <a:ln>
+            <a:tailEnd type="arrow"/>
+          </a:ln>
+        </p:spPr>
+        <p:style>
+          <a:lnRef idx="1">
+            <a:schemeClr val="accent1"/>
+          </a:lnRef>
+          <a:fillRef idx="0">
+            <a:schemeClr val="accent1"/>
+          </a:fillRef>
+          <a:effectRef idx="0">
+            <a:schemeClr val="accent1"/>
+          </a:effectRef>
+          <a:fontRef idx="minor">
+            <a:schemeClr val="tx1"/>
+          </a:fontRef>
+        </p:style>
+      </p:cxnSp>
+      <p:cxnSp>
+        <p:nvCxnSpPr>
+          <p:cNvPr id="34" name="Straight Arrow Connector 33"/>
+          <p:cNvCxnSpPr>
+            <a:endCxn id="10" idx="2"/>
+          </p:cNvCxnSpPr>
+          <p:nvPr/>
+        </p:nvCxnSpPr>
+        <p:spPr>
+          <a:xfrm flipV="1">
+            <a:off x="3131840" y="5157192"/>
+            <a:ext cx="36004" cy="144016"/>
+          </a:xfrm>
+          <a:prstGeom prst="straightConnector1">
+            <a:avLst/>
+          </a:prstGeom>
+          <a:ln>
+            <a:tailEnd type="arrow"/>
+          </a:ln>
+        </p:spPr>
+        <p:style>
+          <a:lnRef idx="1">
+            <a:schemeClr val="accent1"/>
+          </a:lnRef>
+          <a:fillRef idx="0">
+            <a:schemeClr val="accent1"/>
+          </a:fillRef>
+          <a:effectRef idx="0">
+            <a:schemeClr val="accent1"/>
+          </a:effectRef>
+          <a:fontRef idx="minor">
+            <a:schemeClr val="tx1"/>
+          </a:fontRef>
+        </p:style>
+      </p:cxnSp>
     </p:spTree>
   </p:cSld>
   <p:clrMapOvr>
@@ -5462,7 +6056,7 @@
         <p:spPr>
           <a:xfrm>
             <a:off x="467544" y="0"/>
-            <a:ext cx="8229600" cy="980728"/>
+            <a:ext cx="8229600" cy="994122"/>
           </a:xfrm>
         </p:spPr>
         <p:txBody>
@@ -5471,7 +6065,7 @@
           <a:p>
             <a:r>
               <a:rPr lang="en-US" dirty="0" smtClean="0"/>
-              <a:t>Configuration Driven</a:t>
+              <a:t>Message driven</a:t>
             </a:r>
             <a:endParaRPr lang="en-US" dirty="0"/>
           </a:p>
@@ -5479,7 +6073,7 @@
       </p:sp>
       <p:pic>
         <p:nvPicPr>
-          <p:cNvPr id="3074" name="Picture 2"/>
+          <p:cNvPr id="4099" name="Picture 3"/>
           <p:cNvPicPr>
             <a:picLocks noChangeAspect="1" noChangeArrowheads="1"/>
           </p:cNvPicPr>
@@ -5494,8 +6088,8 @@
         </p:blipFill>
         <p:spPr bwMode="auto">
           <a:xfrm>
-            <a:off x="107504" y="1628800"/>
-            <a:ext cx="4961351" cy="1872208"/>
+            <a:off x="144016" y="908720"/>
+            <a:ext cx="5004048" cy="3425590"/>
           </a:xfrm>
           <a:prstGeom prst="rect">
             <a:avLst/>
@@ -5511,7 +6105,7 @@
       </p:pic>
       <p:pic>
         <p:nvPicPr>
-          <p:cNvPr id="3075" name="Picture 3"/>
+          <p:cNvPr id="4100" name="Picture 4"/>
           <p:cNvPicPr>
             <a:picLocks noChangeAspect="1" noChangeArrowheads="1"/>
           </p:cNvPicPr>
@@ -5526,8 +6120,8 @@
         </p:blipFill>
         <p:spPr bwMode="auto">
           <a:xfrm>
-            <a:off x="1534061" y="4077072"/>
-            <a:ext cx="7646451" cy="2304256"/>
+            <a:off x="3995936" y="3681561"/>
+            <a:ext cx="5316552" cy="3131815"/>
           </a:xfrm>
           <a:prstGeom prst="rect">
             <a:avLst/>
@@ -5586,7 +6180,7 @@
         <p:spPr>
           <a:xfrm>
             <a:off x="467544" y="0"/>
-            <a:ext cx="8229600" cy="994122"/>
+            <a:ext cx="8229600" cy="980728"/>
           </a:xfrm>
         </p:spPr>
         <p:txBody>
@@ -5595,7 +6189,7 @@
           <a:p>
             <a:r>
               <a:rPr lang="en-US" dirty="0" smtClean="0"/>
-              <a:t>Message driven</a:t>
+              <a:t>Configuration Driven</a:t>
             </a:r>
             <a:endParaRPr lang="en-US" dirty="0"/>
           </a:p>
@@ -5603,7 +6197,7 @@
       </p:sp>
       <p:pic>
         <p:nvPicPr>
-          <p:cNvPr id="4099" name="Picture 3"/>
+          <p:cNvPr id="3074" name="Picture 2"/>
           <p:cNvPicPr>
             <a:picLocks noChangeAspect="1" noChangeArrowheads="1"/>
           </p:cNvPicPr>
@@ -5618,8 +6212,8 @@
         </p:blipFill>
         <p:spPr bwMode="auto">
           <a:xfrm>
-            <a:off x="144016" y="908720"/>
-            <a:ext cx="5004048" cy="3425590"/>
+            <a:off x="107504" y="1628800"/>
+            <a:ext cx="4961351" cy="1872208"/>
           </a:xfrm>
           <a:prstGeom prst="rect">
             <a:avLst/>
@@ -5635,7 +6229,7 @@
       </p:pic>
       <p:pic>
         <p:nvPicPr>
-          <p:cNvPr id="4100" name="Picture 4"/>
+          <p:cNvPr id="3075" name="Picture 3"/>
           <p:cNvPicPr>
             <a:picLocks noChangeAspect="1" noChangeArrowheads="1"/>
           </p:cNvPicPr>
@@ -5650,8 +6244,8 @@
         </p:blipFill>
         <p:spPr bwMode="auto">
           <a:xfrm>
-            <a:off x="3995936" y="3681561"/>
-            <a:ext cx="5316552" cy="3131815"/>
+            <a:off x="1534061" y="4077072"/>
+            <a:ext cx="7646451" cy="2304256"/>
           </a:xfrm>
           <a:prstGeom prst="rect">
             <a:avLst/>
@@ -5793,7 +6387,7 @@
       </p:grpSpPr>
       <p:pic>
         <p:nvPicPr>
-          <p:cNvPr id="6146" name="Picture 2"/>
+          <p:cNvPr id="1026" name="Picture 2"/>
           <p:cNvPicPr>
             <a:picLocks noChangeAspect="1" noChangeArrowheads="1"/>
           </p:cNvPicPr>
@@ -5808,8 +6402,8 @@
         </p:blipFill>
         <p:spPr bwMode="auto">
           <a:xfrm>
-            <a:off x="71125" y="1052736"/>
-            <a:ext cx="8965371" cy="5688632"/>
+            <a:off x="2003251" y="1772816"/>
+            <a:ext cx="5953125" cy="4438650"/>
           </a:xfrm>
           <a:prstGeom prst="rect">
             <a:avLst/>
@@ -5825,36 +6419,33 @@
       </p:pic>
       <p:sp>
         <p:nvSpPr>
-          <p:cNvPr id="5" name="TextBox 4"/>
-          <p:cNvSpPr txBox="1"/>
-          <p:nvPr/>
-        </p:nvSpPr>
-        <p:spPr>
-          <a:xfrm>
-            <a:off x="0" y="262389"/>
-            <a:ext cx="9144000" cy="646331"/>
-          </a:xfrm>
-          <a:prstGeom prst="rect">
-            <a:avLst/>
-          </a:prstGeom>
-          <a:noFill/>
-        </p:spPr>
-        <p:txBody>
-          <a:bodyPr wrap="square" rtlCol="0">
-            <a:spAutoFit/>
-          </a:bodyPr>
-          <a:lstStyle/>
-          <a:p>
-            <a:pPr algn="ctr"/>
-            <a:r>
-              <a:rPr lang="en-US" sz="3600" dirty="0" err="1" smtClean="0"/>
-              <a:t>Git</a:t>
-            </a:r>
-            <a:r>
-              <a:rPr lang="en-US" sz="3600" dirty="0" smtClean="0"/>
-              <a:t> Source Control</a:t>
-            </a:r>
-            <a:endParaRPr lang="en-US" sz="3600" dirty="0"/>
+          <p:cNvPr id="5" name="Title 1"/>
+          <p:cNvSpPr>
+            <a:spLocks noGrp="1"/>
+          </p:cNvSpPr>
+          <p:nvPr>
+            <p:ph type="title"/>
+          </p:nvPr>
+        </p:nvSpPr>
+        <p:spPr>
+          <a:xfrm>
+            <a:off x="457200" y="274638"/>
+            <a:ext cx="8229600" cy="1143000"/>
+          </a:xfrm>
+        </p:spPr>
+        <p:txBody>
+          <a:bodyPr/>
+          <a:lstStyle/>
+          <a:p>
+            <a:r>
+              <a:rPr lang="en-US" dirty="0" err="1" smtClean="0"/>
+              <a:t>MongoDB</a:t>
+            </a:r>
+            <a:r>
+              <a:rPr lang="en-US" dirty="0" smtClean="0"/>
+              <a:t>(Shard)</a:t>
+            </a:r>
+            <a:endParaRPr lang="en-US" dirty="0"/>
           </a:p>
         </p:txBody>
       </p:sp>

--- a/doc/Presentation.pptx
+++ b/doc/Presentation.pptx
@@ -3640,7 +3640,7 @@
         </p:nvSpPr>
         <p:spPr>
           <a:xfrm>
-            <a:off x="0" y="262389"/>
+            <a:off x="0" y="0"/>
             <a:ext cx="9144000" cy="646331"/>
           </a:xfrm>
           <a:prstGeom prst="rect">
@@ -3664,6 +3664,40 @@
               <a:t> Source Control</a:t>
             </a:r>
             <a:endParaRPr lang="en-US" sz="3600" dirty="0"/>
+          </a:p>
+        </p:txBody>
+      </p:sp>
+      <p:sp>
+        <p:nvSpPr>
+          <p:cNvPr id="4" name="TextBox 3"/>
+          <p:cNvSpPr txBox="1"/>
+          <p:nvPr/>
+        </p:nvSpPr>
+        <p:spPr>
+          <a:xfrm>
+            <a:off x="179512" y="620688"/>
+            <a:ext cx="7236296" cy="369332"/>
+          </a:xfrm>
+          <a:prstGeom prst="rect">
+            <a:avLst/>
+          </a:prstGeom>
+          <a:noFill/>
+        </p:spPr>
+        <p:txBody>
+          <a:bodyPr wrap="square" rtlCol="0">
+            <a:spAutoFit/>
+          </a:bodyPr>
+          <a:lstStyle/>
+          <a:p>
+            <a:r>
+              <a:rPr lang="en-US" dirty="0" smtClean="0"/>
+              <a:t>Repository:  https</a:t>
+            </a:r>
+            <a:r>
+              <a:rPr lang="en-US" dirty="0" smtClean="0"/>
+              <a:t>://github.com/firstsoft/logger</a:t>
+            </a:r>
+            <a:endParaRPr lang="en-US" dirty="0"/>
           </a:p>
         </p:txBody>
       </p:sp>

--- a/doc/Presentation.pptx
+++ b/doc/Presentation.pptx
@@ -4001,7 +4001,7 @@
         <p:spPr/>
         <p:txBody>
           <a:bodyPr>
-            <a:normAutofit lnSpcReduction="10000"/>
+            <a:normAutofit fontScale="92500" lnSpcReduction="20000"/>
           </a:bodyPr>
           <a:lstStyle/>
           <a:p>
@@ -4024,14 +4024,19 @@
           <a:p>
             <a:r>
               <a:rPr lang="en-US" dirty="0" smtClean="0"/>
-              <a:t>Configuration Driven</a:t>
+              <a:t>Message Driven</a:t>
             </a:r>
           </a:p>
           <a:p>
             <a:r>
               <a:rPr lang="en-US" dirty="0" smtClean="0"/>
-              <a:t>Message Driven</a:t>
-            </a:r>
+              <a:t>Configuration </a:t>
+            </a:r>
+            <a:r>
+              <a:rPr lang="en-US" dirty="0" smtClean="0"/>
+              <a:t>Driven</a:t>
+            </a:r>
+            <a:endParaRPr lang="en-US" dirty="0" smtClean="0"/>
           </a:p>
           <a:p>
             <a:r>
@@ -4043,27 +4048,54 @@
           <a:p>
             <a:r>
               <a:rPr lang="en-US" dirty="0" err="1" smtClean="0"/>
+              <a:t>MongoDB</a:t>
+            </a:r>
+            <a:r>
+              <a:rPr lang="en-US" dirty="0" smtClean="0"/>
+              <a:t>(Shard</a:t>
+            </a:r>
+            <a:r>
+              <a:rPr lang="en-US" dirty="0" smtClean="0"/>
+              <a:t>)</a:t>
+            </a:r>
+          </a:p>
+          <a:p>
+            <a:r>
+              <a:rPr lang="en-US" dirty="0" err="1" smtClean="0"/>
+              <a:t>NodeJS</a:t>
+            </a:r>
+            <a:r>
+              <a:rPr lang="en-US" dirty="0" smtClean="0"/>
+              <a:t>/Sails/</a:t>
+            </a:r>
+            <a:r>
+              <a:rPr lang="en-US" dirty="0" err="1" smtClean="0"/>
+              <a:t>WaterLine</a:t>
+            </a:r>
+            <a:endParaRPr lang="en-US" dirty="0" smtClean="0"/>
+          </a:p>
+          <a:p>
+            <a:r>
+              <a:rPr lang="en-US" dirty="0" err="1" smtClean="0"/>
               <a:t>Git</a:t>
             </a:r>
             <a:r>
               <a:rPr lang="en-US" dirty="0" smtClean="0"/>
-              <a:t> Source Control</a:t>
-            </a:r>
-          </a:p>
-          <a:p>
-            <a:r>
-              <a:rPr lang="en-US" dirty="0" err="1" smtClean="0"/>
-              <a:t>MongoDB</a:t>
+              <a:t> Source </a:t>
             </a:r>
             <a:r>
               <a:rPr lang="en-US" dirty="0" smtClean="0"/>
-              <a:t>(Shard)</a:t>
+              <a:t>Control</a:t>
             </a:r>
           </a:p>
           <a:p>
             <a:r>
               <a:rPr lang="en-US" dirty="0" smtClean="0"/>
-              <a:t>Code Style</a:t>
+              <a:t>Code </a:t>
+            </a:r>
+            <a:r>
+              <a:rPr lang="en-US" dirty="0" smtClean="0"/>
+              <a:t>Style</a:t>
             </a:r>
             <a:endParaRPr lang="en-US" dirty="0"/>
           </a:p>

--- a/doc/Presentation.pptx
+++ b/doc/Presentation.pptx
@@ -3691,11 +3691,7 @@
           <a:p>
             <a:r>
               <a:rPr lang="en-US" dirty="0" smtClean="0"/>
-              <a:t>Repository:  https</a:t>
-            </a:r>
-            <a:r>
-              <a:rPr lang="en-US" dirty="0" smtClean="0"/>
-              <a:t>://github.com/firstsoft/logger</a:t>
+              <a:t>Repository:  https://github.com/firstsoft/logger</a:t>
             </a:r>
             <a:endParaRPr lang="en-US" dirty="0"/>
           </a:p>
@@ -4030,13 +4026,8 @@
           <a:p>
             <a:r>
               <a:rPr lang="en-US" dirty="0" smtClean="0"/>
-              <a:t>Configuration </a:t>
-            </a:r>
-            <a:r>
-              <a:rPr lang="en-US" dirty="0" smtClean="0"/>
-              <a:t>Driven</a:t>
-            </a:r>
-            <a:endParaRPr lang="en-US" dirty="0" smtClean="0"/>
+              <a:t>Configuration Driven</a:t>
+            </a:r>
           </a:p>
           <a:p>
             <a:r>
@@ -4052,11 +4043,7 @@
             </a:r>
             <a:r>
               <a:rPr lang="en-US" dirty="0" smtClean="0"/>
-              <a:t>(Shard</a:t>
-            </a:r>
-            <a:r>
-              <a:rPr lang="en-US" dirty="0" smtClean="0"/>
-              <a:t>)</a:t>
+              <a:t>(Shard)</a:t>
             </a:r>
           </a:p>
           <a:p>
@@ -4081,21 +4068,13 @@
             </a:r>
             <a:r>
               <a:rPr lang="en-US" dirty="0" smtClean="0"/>
-              <a:t> Source </a:t>
-            </a:r>
+              <a:t> Source Control</a:t>
+            </a:r>
+          </a:p>
+          <a:p>
             <a:r>
               <a:rPr lang="en-US" dirty="0" smtClean="0"/>
-              <a:t>Control</a:t>
-            </a:r>
-          </a:p>
-          <a:p>
-            <a:r>
-              <a:rPr lang="en-US" dirty="0" smtClean="0"/>
-              <a:t>Code </a:t>
-            </a:r>
-            <a:r>
-              <a:rPr lang="en-US" dirty="0" smtClean="0"/>
-              <a:t>Style</a:t>
+              <a:t>Code Style</a:t>
             </a:r>
             <a:endParaRPr lang="en-US" dirty="0"/>
           </a:p>
@@ -5068,6 +5047,102 @@
               <a:rPr lang="en-US" dirty="0" smtClean="0"/>
               <a:t>Log Storage</a:t>
             </a:r>
+          </a:p>
+        </p:txBody>
+      </p:sp>
+      <p:sp>
+        <p:nvSpPr>
+          <p:cNvPr id="38" name="Right Arrow 37"/>
+          <p:cNvSpPr/>
+          <p:nvPr/>
+        </p:nvSpPr>
+        <p:spPr>
+          <a:xfrm>
+            <a:off x="6156176" y="1268760"/>
+            <a:ext cx="648072" cy="360040"/>
+          </a:xfrm>
+          <a:prstGeom prst="rightArrow">
+            <a:avLst/>
+          </a:prstGeom>
+          <a:ln>
+            <a:solidFill>
+              <a:schemeClr val="tx2">
+                <a:lumMod val="60000"/>
+                <a:lumOff val="40000"/>
+              </a:schemeClr>
+            </a:solidFill>
+          </a:ln>
+          <a:scene3d>
+            <a:camera prst="orthographicFront">
+              <a:rot lat="0" lon="0" rev="13800000"/>
+            </a:camera>
+            <a:lightRig rig="threePt" dir="t"/>
+          </a:scene3d>
+        </p:spPr>
+        <p:style>
+          <a:lnRef idx="2">
+            <a:schemeClr val="accent1">
+              <a:shade val="50000"/>
+            </a:schemeClr>
+          </a:lnRef>
+          <a:fillRef idx="1">
+            <a:schemeClr val="accent1"/>
+          </a:fillRef>
+          <a:effectRef idx="0">
+            <a:schemeClr val="accent1"/>
+          </a:effectRef>
+          <a:fontRef idx="minor">
+            <a:schemeClr val="lt1"/>
+          </a:fontRef>
+        </p:style>
+        <p:txBody>
+          <a:bodyPr rtlCol="0" anchor="ctr"/>
+          <a:lstStyle/>
+          <a:p>
+            <a:pPr algn="ctr"/>
+            <a:endParaRPr lang="en-US"/>
+          </a:p>
+        </p:txBody>
+      </p:sp>
+      <p:sp>
+        <p:nvSpPr>
+          <p:cNvPr id="39" name="Flowchart: Stored Data 38"/>
+          <p:cNvSpPr/>
+          <p:nvPr/>
+        </p:nvSpPr>
+        <p:spPr>
+          <a:xfrm>
+            <a:off x="6804248" y="836712"/>
+            <a:ext cx="1368152" cy="576064"/>
+          </a:xfrm>
+          <a:prstGeom prst="flowChartOnlineStorage">
+            <a:avLst/>
+          </a:prstGeom>
+        </p:spPr>
+        <p:style>
+          <a:lnRef idx="3">
+            <a:schemeClr val="lt1"/>
+          </a:lnRef>
+          <a:fillRef idx="1">
+            <a:schemeClr val="accent3"/>
+          </a:fillRef>
+          <a:effectRef idx="1">
+            <a:schemeClr val="accent3"/>
+          </a:effectRef>
+          <a:fontRef idx="minor">
+            <a:schemeClr val="lt1"/>
+          </a:fontRef>
+        </p:style>
+        <p:txBody>
+          <a:bodyPr rtlCol="0" anchor="ctr"/>
+          <a:lstStyle/>
+          <a:p>
+            <a:pPr algn="ctr"/>
+            <a:r>
+              <a:rPr lang="en-US" dirty="0" smtClean="0"/>
+              <a:t>Binary log</a:t>
+            </a:r>
+            <a:endParaRPr lang="en-US" dirty="0"/>
           </a:p>
         </p:txBody>
       </p:sp>
